--- a/RA-L Hetro Sensors/pictures/StraightvsBent_depthangle.pptx
+++ b/RA-L Hetro Sensors/pictures/StraightvsBent_depthangle.pptx
@@ -2,12 +2,12 @@
 <file path=ppt/presentation.xml><?xml version="1.0" encoding="utf-8"?>
 <p:presentation xmlns:a="http://schemas.openxmlformats.org/drawingml/2006/main" xmlns:r="http://schemas.openxmlformats.org/officeDocument/2006/relationships" xmlns:p="http://schemas.openxmlformats.org/presentationml/2006/main" saveSubsetFonts="1">
   <p:sldMasterIdLst>
-    <p:sldMasterId id="2147483684" r:id="rId1"/>
+    <p:sldMasterId id="2147483696" r:id="rId1"/>
   </p:sldMasterIdLst>
   <p:sldIdLst>
     <p:sldId id="256" r:id="rId2"/>
   </p:sldIdLst>
-  <p:sldSz cx="12192000" cy="11887200"/>
+  <p:sldSz cx="24384000" cy="5943600"/>
   <p:notesSz cx="6858000" cy="9144000"/>
   <p:defaultTextStyle>
     <a:defPPr>
@@ -141,15 +141,15 @@
         </p:nvSpPr>
         <p:spPr>
           <a:xfrm>
-            <a:off x="914400" y="1945429"/>
-            <a:ext cx="10363200" cy="4138507"/>
+            <a:off x="3048000" y="972715"/>
+            <a:ext cx="18288000" cy="2069253"/>
           </a:xfrm>
         </p:spPr>
         <p:txBody>
           <a:bodyPr anchor="b"/>
           <a:lstStyle>
             <a:lvl1pPr algn="ctr">
-              <a:defRPr sz="8000"/>
+              <a:defRPr sz="5200"/>
             </a:lvl1pPr>
           </a:lstStyle>
           <a:p>
@@ -173,8 +173,8 @@
         </p:nvSpPr>
         <p:spPr>
           <a:xfrm>
-            <a:off x="1524000" y="6243533"/>
-            <a:ext cx="9144000" cy="2869987"/>
+            <a:off x="3048000" y="3121766"/>
+            <a:ext cx="18288000" cy="1434994"/>
           </a:xfrm>
         </p:spPr>
         <p:txBody>
@@ -182,39 +182,39 @@
           <a:lstStyle>
             <a:lvl1pPr marL="0" indent="0" algn="ctr">
               <a:buNone/>
-              <a:defRPr sz="3200"/>
+              <a:defRPr sz="2080"/>
             </a:lvl1pPr>
-            <a:lvl2pPr marL="609585" indent="0" algn="ctr">
-              <a:buNone/>
-              <a:defRPr sz="2667"/>
+            <a:lvl2pPr marL="396255" indent="0" algn="ctr">
+              <a:buNone/>
+              <a:defRPr sz="1733"/>
             </a:lvl2pPr>
-            <a:lvl3pPr marL="1219170" indent="0" algn="ctr">
-              <a:buNone/>
-              <a:defRPr sz="2400"/>
+            <a:lvl3pPr marL="792510" indent="0" algn="ctr">
+              <a:buNone/>
+              <a:defRPr sz="1560"/>
             </a:lvl3pPr>
-            <a:lvl4pPr marL="1828754" indent="0" algn="ctr">
-              <a:buNone/>
-              <a:defRPr sz="2133"/>
+            <a:lvl4pPr marL="1188766" indent="0" algn="ctr">
+              <a:buNone/>
+              <a:defRPr sz="1387"/>
             </a:lvl4pPr>
-            <a:lvl5pPr marL="2438339" indent="0" algn="ctr">
-              <a:buNone/>
-              <a:defRPr sz="2133"/>
+            <a:lvl5pPr marL="1585021" indent="0" algn="ctr">
+              <a:buNone/>
+              <a:defRPr sz="1387"/>
             </a:lvl5pPr>
-            <a:lvl6pPr marL="3047924" indent="0" algn="ctr">
-              <a:buNone/>
-              <a:defRPr sz="2133"/>
+            <a:lvl6pPr marL="1981276" indent="0" algn="ctr">
+              <a:buNone/>
+              <a:defRPr sz="1387"/>
             </a:lvl6pPr>
-            <a:lvl7pPr marL="3657509" indent="0" algn="ctr">
-              <a:buNone/>
-              <a:defRPr sz="2133"/>
+            <a:lvl7pPr marL="2377531" indent="0" algn="ctr">
+              <a:buNone/>
+              <a:defRPr sz="1387"/>
             </a:lvl7pPr>
-            <a:lvl8pPr marL="4267093" indent="0" algn="ctr">
-              <a:buNone/>
-              <a:defRPr sz="2133"/>
+            <a:lvl8pPr marL="2773787" indent="0" algn="ctr">
+              <a:buNone/>
+              <a:defRPr sz="1387"/>
             </a:lvl8pPr>
-            <a:lvl9pPr marL="4876678" indent="0" algn="ctr">
-              <a:buNone/>
-              <a:defRPr sz="2133"/>
+            <a:lvl9pPr marL="3170042" indent="0" algn="ctr">
+              <a:buNone/>
+              <a:defRPr sz="1387"/>
             </a:lvl9pPr>
           </a:lstStyle>
           <a:p>
@@ -243,7 +243,7 @@
           <a:p>
             <a:fld id="{D99DA766-6FA3-426D-9404-79B9CD4BE179}" type="datetimeFigureOut">
               <a:rPr lang="en-US" smtClean="0"/>
-              <a:t>9/6/2016</a:t>
+              <a:t>9/7/2016</a:t>
             </a:fld>
             <a:endParaRPr lang="en-US"/>
           </a:p>
@@ -294,7 +294,7 @@
     </p:spTree>
     <p:extLst>
       <p:ext uri="{BB962C8B-B14F-4D97-AF65-F5344CB8AC3E}">
-        <p14:creationId xmlns:p14="http://schemas.microsoft.com/office/powerpoint/2010/main" val="2715571323"/>
+        <p14:creationId xmlns:p14="http://schemas.microsoft.com/office/powerpoint/2010/main" val="2288382790"/>
       </p:ext>
     </p:extLst>
   </p:cSld>
@@ -413,7 +413,7 @@
           <a:p>
             <a:fld id="{D99DA766-6FA3-426D-9404-79B9CD4BE179}" type="datetimeFigureOut">
               <a:rPr lang="en-US" smtClean="0"/>
-              <a:t>9/6/2016</a:t>
+              <a:t>9/7/2016</a:t>
             </a:fld>
             <a:endParaRPr lang="en-US"/>
           </a:p>
@@ -464,7 +464,7 @@
     </p:spTree>
     <p:extLst>
       <p:ext uri="{BB962C8B-B14F-4D97-AF65-F5344CB8AC3E}">
-        <p14:creationId xmlns:p14="http://schemas.microsoft.com/office/powerpoint/2010/main" val="1027942187"/>
+        <p14:creationId xmlns:p14="http://schemas.microsoft.com/office/powerpoint/2010/main" val="44905374"/>
       </p:ext>
     </p:extLst>
   </p:cSld>
@@ -503,8 +503,8 @@
         </p:nvSpPr>
         <p:spPr>
           <a:xfrm>
-            <a:off x="8724901" y="632883"/>
-            <a:ext cx="2628900" cy="10073853"/>
+            <a:off x="17449800" y="316442"/>
+            <a:ext cx="5257800" cy="5036926"/>
           </a:xfrm>
         </p:spPr>
         <p:txBody>
@@ -531,8 +531,8 @@
         </p:nvSpPr>
         <p:spPr>
           <a:xfrm>
-            <a:off x="838201" y="632883"/>
-            <a:ext cx="7734300" cy="10073853"/>
+            <a:off x="1676400" y="316442"/>
+            <a:ext cx="15468600" cy="5036926"/>
           </a:xfrm>
         </p:spPr>
         <p:txBody>
@@ -593,7 +593,7 @@
           <a:p>
             <a:fld id="{D99DA766-6FA3-426D-9404-79B9CD4BE179}" type="datetimeFigureOut">
               <a:rPr lang="en-US" smtClean="0"/>
-              <a:t>9/6/2016</a:t>
+              <a:t>9/7/2016</a:t>
             </a:fld>
             <a:endParaRPr lang="en-US"/>
           </a:p>
@@ -644,7 +644,7 @@
     </p:spTree>
     <p:extLst>
       <p:ext uri="{BB962C8B-B14F-4D97-AF65-F5344CB8AC3E}">
-        <p14:creationId xmlns:p14="http://schemas.microsoft.com/office/powerpoint/2010/main" val="4150952267"/>
+        <p14:creationId xmlns:p14="http://schemas.microsoft.com/office/powerpoint/2010/main" val="1909827987"/>
       </p:ext>
     </p:extLst>
   </p:cSld>
@@ -763,7 +763,7 @@
           <a:p>
             <a:fld id="{D99DA766-6FA3-426D-9404-79B9CD4BE179}" type="datetimeFigureOut">
               <a:rPr lang="en-US" smtClean="0"/>
-              <a:t>9/6/2016</a:t>
+              <a:t>9/7/2016</a:t>
             </a:fld>
             <a:endParaRPr lang="en-US"/>
           </a:p>
@@ -814,7 +814,7 @@
     </p:spTree>
     <p:extLst>
       <p:ext uri="{BB962C8B-B14F-4D97-AF65-F5344CB8AC3E}">
-        <p14:creationId xmlns:p14="http://schemas.microsoft.com/office/powerpoint/2010/main" val="3740197098"/>
+        <p14:creationId xmlns:p14="http://schemas.microsoft.com/office/powerpoint/2010/main" val="1940700353"/>
       </p:ext>
     </p:extLst>
   </p:cSld>
@@ -853,15 +853,15 @@
         </p:nvSpPr>
         <p:spPr>
           <a:xfrm>
-            <a:off x="831851" y="2963549"/>
-            <a:ext cx="10515600" cy="4944744"/>
+            <a:off x="1663700" y="1481773"/>
+            <a:ext cx="21031200" cy="2472372"/>
           </a:xfrm>
         </p:spPr>
         <p:txBody>
           <a:bodyPr anchor="b"/>
           <a:lstStyle>
             <a:lvl1pPr>
-              <a:defRPr sz="8000"/>
+              <a:defRPr sz="5200"/>
             </a:lvl1pPr>
           </a:lstStyle>
           <a:p>
@@ -885,8 +885,8 @@
         </p:nvSpPr>
         <p:spPr>
           <a:xfrm>
-            <a:off x="831851" y="7955072"/>
-            <a:ext cx="10515600" cy="2600324"/>
+            <a:off x="1663700" y="3977535"/>
+            <a:ext cx="21031200" cy="1300162"/>
           </a:xfrm>
         </p:spPr>
         <p:txBody>
@@ -894,15 +894,17 @@
           <a:lstStyle>
             <a:lvl1pPr marL="0" indent="0">
               <a:buNone/>
-              <a:defRPr sz="3200">
+              <a:defRPr sz="2080">
                 <a:solidFill>
-                  <a:schemeClr val="tx1"/>
+                  <a:schemeClr val="tx1">
+                    <a:tint val="75000"/>
+                  </a:schemeClr>
                 </a:solidFill>
               </a:defRPr>
             </a:lvl1pPr>
-            <a:lvl2pPr marL="609585" indent="0">
-              <a:buNone/>
-              <a:defRPr sz="2667">
+            <a:lvl2pPr marL="396255" indent="0">
+              <a:buNone/>
+              <a:defRPr sz="1733">
                 <a:solidFill>
                   <a:schemeClr val="tx1">
                     <a:tint val="75000"/>
@@ -910,9 +912,9 @@
                 </a:solidFill>
               </a:defRPr>
             </a:lvl2pPr>
-            <a:lvl3pPr marL="1219170" indent="0">
-              <a:buNone/>
-              <a:defRPr sz="2400">
+            <a:lvl3pPr marL="792510" indent="0">
+              <a:buNone/>
+              <a:defRPr sz="1560">
                 <a:solidFill>
                   <a:schemeClr val="tx1">
                     <a:tint val="75000"/>
@@ -920,9 +922,9 @@
                 </a:solidFill>
               </a:defRPr>
             </a:lvl3pPr>
-            <a:lvl4pPr marL="1828754" indent="0">
-              <a:buNone/>
-              <a:defRPr sz="2133">
+            <a:lvl4pPr marL="1188766" indent="0">
+              <a:buNone/>
+              <a:defRPr sz="1387">
                 <a:solidFill>
                   <a:schemeClr val="tx1">
                     <a:tint val="75000"/>
@@ -930,9 +932,9 @@
                 </a:solidFill>
               </a:defRPr>
             </a:lvl4pPr>
-            <a:lvl5pPr marL="2438339" indent="0">
-              <a:buNone/>
-              <a:defRPr sz="2133">
+            <a:lvl5pPr marL="1585021" indent="0">
+              <a:buNone/>
+              <a:defRPr sz="1387">
                 <a:solidFill>
                   <a:schemeClr val="tx1">
                     <a:tint val="75000"/>
@@ -940,9 +942,9 @@
                 </a:solidFill>
               </a:defRPr>
             </a:lvl5pPr>
-            <a:lvl6pPr marL="3047924" indent="0">
-              <a:buNone/>
-              <a:defRPr sz="2133">
+            <a:lvl6pPr marL="1981276" indent="0">
+              <a:buNone/>
+              <a:defRPr sz="1387">
                 <a:solidFill>
                   <a:schemeClr val="tx1">
                     <a:tint val="75000"/>
@@ -950,9 +952,9 @@
                 </a:solidFill>
               </a:defRPr>
             </a:lvl6pPr>
-            <a:lvl7pPr marL="3657509" indent="0">
-              <a:buNone/>
-              <a:defRPr sz="2133">
+            <a:lvl7pPr marL="2377531" indent="0">
+              <a:buNone/>
+              <a:defRPr sz="1387">
                 <a:solidFill>
                   <a:schemeClr val="tx1">
                     <a:tint val="75000"/>
@@ -960,9 +962,9 @@
                 </a:solidFill>
               </a:defRPr>
             </a:lvl7pPr>
-            <a:lvl8pPr marL="4267093" indent="0">
-              <a:buNone/>
-              <a:defRPr sz="2133">
+            <a:lvl8pPr marL="2773787" indent="0">
+              <a:buNone/>
+              <a:defRPr sz="1387">
                 <a:solidFill>
                   <a:schemeClr val="tx1">
                     <a:tint val="75000"/>
@@ -970,9 +972,9 @@
                 </a:solidFill>
               </a:defRPr>
             </a:lvl8pPr>
-            <a:lvl9pPr marL="4876678" indent="0">
-              <a:buNone/>
-              <a:defRPr sz="2133">
+            <a:lvl9pPr marL="3170042" indent="0">
+              <a:buNone/>
+              <a:defRPr sz="1387">
                 <a:solidFill>
                   <a:schemeClr val="tx1">
                     <a:tint val="75000"/>
@@ -1007,7 +1009,7 @@
           <a:p>
             <a:fld id="{D99DA766-6FA3-426D-9404-79B9CD4BE179}" type="datetimeFigureOut">
               <a:rPr lang="en-US" smtClean="0"/>
-              <a:t>9/6/2016</a:t>
+              <a:t>9/7/2016</a:t>
             </a:fld>
             <a:endParaRPr lang="en-US"/>
           </a:p>
@@ -1058,7 +1060,7 @@
     </p:spTree>
     <p:extLst>
       <p:ext uri="{BB962C8B-B14F-4D97-AF65-F5344CB8AC3E}">
-        <p14:creationId xmlns:p14="http://schemas.microsoft.com/office/powerpoint/2010/main" val="232458626"/>
+        <p14:creationId xmlns:p14="http://schemas.microsoft.com/office/powerpoint/2010/main" val="1915718079"/>
       </p:ext>
     </p:extLst>
   </p:cSld>
@@ -1120,8 +1122,8 @@
         </p:nvSpPr>
         <p:spPr>
           <a:xfrm>
-            <a:off x="838200" y="3164417"/>
-            <a:ext cx="5181600" cy="7542319"/>
+            <a:off x="1676400" y="1582208"/>
+            <a:ext cx="10363200" cy="3771160"/>
           </a:xfrm>
         </p:spPr>
         <p:txBody>
@@ -1177,8 +1179,8 @@
         </p:nvSpPr>
         <p:spPr>
           <a:xfrm>
-            <a:off x="6172200" y="3164417"/>
-            <a:ext cx="5181600" cy="7542319"/>
+            <a:off x="12344400" y="1582208"/>
+            <a:ext cx="10363200" cy="3771160"/>
           </a:xfrm>
         </p:spPr>
         <p:txBody>
@@ -1239,7 +1241,7 @@
           <a:p>
             <a:fld id="{D99DA766-6FA3-426D-9404-79B9CD4BE179}" type="datetimeFigureOut">
               <a:rPr lang="en-US" smtClean="0"/>
-              <a:t>9/6/2016</a:t>
+              <a:t>9/7/2016</a:t>
             </a:fld>
             <a:endParaRPr lang="en-US"/>
           </a:p>
@@ -1290,7 +1292,7 @@
     </p:spTree>
     <p:extLst>
       <p:ext uri="{BB962C8B-B14F-4D97-AF65-F5344CB8AC3E}">
-        <p14:creationId xmlns:p14="http://schemas.microsoft.com/office/powerpoint/2010/main" val="953835482"/>
+        <p14:creationId xmlns:p14="http://schemas.microsoft.com/office/powerpoint/2010/main" val="1421944111"/>
       </p:ext>
     </p:extLst>
   </p:cSld>
@@ -1329,8 +1331,8 @@
         </p:nvSpPr>
         <p:spPr>
           <a:xfrm>
-            <a:off x="839788" y="632886"/>
-            <a:ext cx="10515600" cy="2297643"/>
+            <a:off x="1679576" y="316442"/>
+            <a:ext cx="21031200" cy="1148821"/>
           </a:xfrm>
         </p:spPr>
         <p:txBody>
@@ -1357,8 +1359,8 @@
         </p:nvSpPr>
         <p:spPr>
           <a:xfrm>
-            <a:off x="839789" y="2914016"/>
-            <a:ext cx="5157787" cy="1428114"/>
+            <a:off x="1679577" y="1457008"/>
+            <a:ext cx="10315574" cy="714057"/>
           </a:xfrm>
         </p:spPr>
         <p:txBody>
@@ -1366,39 +1368,39 @@
           <a:lstStyle>
             <a:lvl1pPr marL="0" indent="0">
               <a:buNone/>
-              <a:defRPr sz="3200" b="1"/>
+              <a:defRPr sz="2080" b="1"/>
             </a:lvl1pPr>
-            <a:lvl2pPr marL="609585" indent="0">
-              <a:buNone/>
-              <a:defRPr sz="2667" b="1"/>
+            <a:lvl2pPr marL="396255" indent="0">
+              <a:buNone/>
+              <a:defRPr sz="1733" b="1"/>
             </a:lvl2pPr>
-            <a:lvl3pPr marL="1219170" indent="0">
-              <a:buNone/>
-              <a:defRPr sz="2400" b="1"/>
+            <a:lvl3pPr marL="792510" indent="0">
+              <a:buNone/>
+              <a:defRPr sz="1560" b="1"/>
             </a:lvl3pPr>
-            <a:lvl4pPr marL="1828754" indent="0">
-              <a:buNone/>
-              <a:defRPr sz="2133" b="1"/>
+            <a:lvl4pPr marL="1188766" indent="0">
+              <a:buNone/>
+              <a:defRPr sz="1387" b="1"/>
             </a:lvl4pPr>
-            <a:lvl5pPr marL="2438339" indent="0">
-              <a:buNone/>
-              <a:defRPr sz="2133" b="1"/>
+            <a:lvl5pPr marL="1585021" indent="0">
+              <a:buNone/>
+              <a:defRPr sz="1387" b="1"/>
             </a:lvl5pPr>
-            <a:lvl6pPr marL="3047924" indent="0">
-              <a:buNone/>
-              <a:defRPr sz="2133" b="1"/>
+            <a:lvl6pPr marL="1981276" indent="0">
+              <a:buNone/>
+              <a:defRPr sz="1387" b="1"/>
             </a:lvl6pPr>
-            <a:lvl7pPr marL="3657509" indent="0">
-              <a:buNone/>
-              <a:defRPr sz="2133" b="1"/>
+            <a:lvl7pPr marL="2377531" indent="0">
+              <a:buNone/>
+              <a:defRPr sz="1387" b="1"/>
             </a:lvl7pPr>
-            <a:lvl8pPr marL="4267093" indent="0">
-              <a:buNone/>
-              <a:defRPr sz="2133" b="1"/>
+            <a:lvl8pPr marL="2773787" indent="0">
+              <a:buNone/>
+              <a:defRPr sz="1387" b="1"/>
             </a:lvl8pPr>
-            <a:lvl9pPr marL="4876678" indent="0">
-              <a:buNone/>
-              <a:defRPr sz="2133" b="1"/>
+            <a:lvl9pPr marL="3170042" indent="0">
+              <a:buNone/>
+              <a:defRPr sz="1387" b="1"/>
             </a:lvl9pPr>
           </a:lstStyle>
           <a:p>
@@ -1422,8 +1424,8 @@
         </p:nvSpPr>
         <p:spPr>
           <a:xfrm>
-            <a:off x="839789" y="4342130"/>
-            <a:ext cx="5157787" cy="6386619"/>
+            <a:off x="1679577" y="2171065"/>
+            <a:ext cx="10315574" cy="3193310"/>
           </a:xfrm>
         </p:spPr>
         <p:txBody>
@@ -1479,8 +1481,8 @@
         </p:nvSpPr>
         <p:spPr>
           <a:xfrm>
-            <a:off x="6172201" y="2914016"/>
-            <a:ext cx="5183188" cy="1428114"/>
+            <a:off x="12344400" y="1457008"/>
+            <a:ext cx="10366376" cy="714057"/>
           </a:xfrm>
         </p:spPr>
         <p:txBody>
@@ -1488,39 +1490,39 @@
           <a:lstStyle>
             <a:lvl1pPr marL="0" indent="0">
               <a:buNone/>
-              <a:defRPr sz="3200" b="1"/>
+              <a:defRPr sz="2080" b="1"/>
             </a:lvl1pPr>
-            <a:lvl2pPr marL="609585" indent="0">
-              <a:buNone/>
-              <a:defRPr sz="2667" b="1"/>
+            <a:lvl2pPr marL="396255" indent="0">
+              <a:buNone/>
+              <a:defRPr sz="1733" b="1"/>
             </a:lvl2pPr>
-            <a:lvl3pPr marL="1219170" indent="0">
-              <a:buNone/>
-              <a:defRPr sz="2400" b="1"/>
+            <a:lvl3pPr marL="792510" indent="0">
+              <a:buNone/>
+              <a:defRPr sz="1560" b="1"/>
             </a:lvl3pPr>
-            <a:lvl4pPr marL="1828754" indent="0">
-              <a:buNone/>
-              <a:defRPr sz="2133" b="1"/>
+            <a:lvl4pPr marL="1188766" indent="0">
+              <a:buNone/>
+              <a:defRPr sz="1387" b="1"/>
             </a:lvl4pPr>
-            <a:lvl5pPr marL="2438339" indent="0">
-              <a:buNone/>
-              <a:defRPr sz="2133" b="1"/>
+            <a:lvl5pPr marL="1585021" indent="0">
+              <a:buNone/>
+              <a:defRPr sz="1387" b="1"/>
             </a:lvl5pPr>
-            <a:lvl6pPr marL="3047924" indent="0">
-              <a:buNone/>
-              <a:defRPr sz="2133" b="1"/>
+            <a:lvl6pPr marL="1981276" indent="0">
+              <a:buNone/>
+              <a:defRPr sz="1387" b="1"/>
             </a:lvl6pPr>
-            <a:lvl7pPr marL="3657509" indent="0">
-              <a:buNone/>
-              <a:defRPr sz="2133" b="1"/>
+            <a:lvl7pPr marL="2377531" indent="0">
+              <a:buNone/>
+              <a:defRPr sz="1387" b="1"/>
             </a:lvl7pPr>
-            <a:lvl8pPr marL="4267093" indent="0">
-              <a:buNone/>
-              <a:defRPr sz="2133" b="1"/>
+            <a:lvl8pPr marL="2773787" indent="0">
+              <a:buNone/>
+              <a:defRPr sz="1387" b="1"/>
             </a:lvl8pPr>
-            <a:lvl9pPr marL="4876678" indent="0">
-              <a:buNone/>
-              <a:defRPr sz="2133" b="1"/>
+            <a:lvl9pPr marL="3170042" indent="0">
+              <a:buNone/>
+              <a:defRPr sz="1387" b="1"/>
             </a:lvl9pPr>
           </a:lstStyle>
           <a:p>
@@ -1544,8 +1546,8 @@
         </p:nvSpPr>
         <p:spPr>
           <a:xfrm>
-            <a:off x="6172201" y="4342130"/>
-            <a:ext cx="5183188" cy="6386619"/>
+            <a:off x="12344400" y="2171065"/>
+            <a:ext cx="10366376" cy="3193310"/>
           </a:xfrm>
         </p:spPr>
         <p:txBody>
@@ -1606,7 +1608,7 @@
           <a:p>
             <a:fld id="{D99DA766-6FA3-426D-9404-79B9CD4BE179}" type="datetimeFigureOut">
               <a:rPr lang="en-US" smtClean="0"/>
-              <a:t>9/6/2016</a:t>
+              <a:t>9/7/2016</a:t>
             </a:fld>
             <a:endParaRPr lang="en-US"/>
           </a:p>
@@ -1657,7 +1659,7 @@
     </p:spTree>
     <p:extLst>
       <p:ext uri="{BB962C8B-B14F-4D97-AF65-F5344CB8AC3E}">
-        <p14:creationId xmlns:p14="http://schemas.microsoft.com/office/powerpoint/2010/main" val="844278025"/>
+        <p14:creationId xmlns:p14="http://schemas.microsoft.com/office/powerpoint/2010/main" val="3112474119"/>
       </p:ext>
     </p:extLst>
   </p:cSld>
@@ -1724,7 +1726,7 @@
           <a:p>
             <a:fld id="{D99DA766-6FA3-426D-9404-79B9CD4BE179}" type="datetimeFigureOut">
               <a:rPr lang="en-US" smtClean="0"/>
-              <a:t>9/6/2016</a:t>
+              <a:t>9/7/2016</a:t>
             </a:fld>
             <a:endParaRPr lang="en-US"/>
           </a:p>
@@ -1775,7 +1777,7 @@
     </p:spTree>
     <p:extLst>
       <p:ext uri="{BB962C8B-B14F-4D97-AF65-F5344CB8AC3E}">
-        <p14:creationId xmlns:p14="http://schemas.microsoft.com/office/powerpoint/2010/main" val="4218856552"/>
+        <p14:creationId xmlns:p14="http://schemas.microsoft.com/office/powerpoint/2010/main" val="546452026"/>
       </p:ext>
     </p:extLst>
   </p:cSld>
@@ -1819,7 +1821,7 @@
           <a:p>
             <a:fld id="{D99DA766-6FA3-426D-9404-79B9CD4BE179}" type="datetimeFigureOut">
               <a:rPr lang="en-US" smtClean="0"/>
-              <a:t>9/6/2016</a:t>
+              <a:t>9/7/2016</a:t>
             </a:fld>
             <a:endParaRPr lang="en-US"/>
           </a:p>
@@ -1870,7 +1872,7 @@
     </p:spTree>
     <p:extLst>
       <p:ext uri="{BB962C8B-B14F-4D97-AF65-F5344CB8AC3E}">
-        <p14:creationId xmlns:p14="http://schemas.microsoft.com/office/powerpoint/2010/main" val="1945660144"/>
+        <p14:creationId xmlns:p14="http://schemas.microsoft.com/office/powerpoint/2010/main" val="2676987803"/>
       </p:ext>
     </p:extLst>
   </p:cSld>
@@ -1909,15 +1911,15 @@
         </p:nvSpPr>
         <p:spPr>
           <a:xfrm>
-            <a:off x="839788" y="792480"/>
-            <a:ext cx="3932237" cy="2773680"/>
+            <a:off x="1679577" y="396240"/>
+            <a:ext cx="7864474" cy="1386840"/>
           </a:xfrm>
         </p:spPr>
         <p:txBody>
           <a:bodyPr anchor="b"/>
           <a:lstStyle>
             <a:lvl1pPr>
-              <a:defRPr sz="4267"/>
+              <a:defRPr sz="2773"/>
             </a:lvl1pPr>
           </a:lstStyle>
           <a:p>
@@ -1941,39 +1943,39 @@
         </p:nvSpPr>
         <p:spPr>
           <a:xfrm>
-            <a:off x="5183188" y="1711539"/>
-            <a:ext cx="6172200" cy="8447617"/>
+            <a:off x="10366376" y="855769"/>
+            <a:ext cx="12344400" cy="4223808"/>
           </a:xfrm>
         </p:spPr>
         <p:txBody>
           <a:bodyPr/>
           <a:lstStyle>
             <a:lvl1pPr>
-              <a:defRPr sz="4267"/>
+              <a:defRPr sz="2773"/>
             </a:lvl1pPr>
             <a:lvl2pPr>
-              <a:defRPr sz="3733"/>
+              <a:defRPr sz="2427"/>
             </a:lvl2pPr>
             <a:lvl3pPr>
-              <a:defRPr sz="3200"/>
+              <a:defRPr sz="2080"/>
             </a:lvl3pPr>
             <a:lvl4pPr>
-              <a:defRPr sz="2667"/>
+              <a:defRPr sz="1733"/>
             </a:lvl4pPr>
             <a:lvl5pPr>
-              <a:defRPr sz="2667"/>
+              <a:defRPr sz="1733"/>
             </a:lvl5pPr>
             <a:lvl6pPr>
-              <a:defRPr sz="2667"/>
+              <a:defRPr sz="1733"/>
             </a:lvl6pPr>
             <a:lvl7pPr>
-              <a:defRPr sz="2667"/>
+              <a:defRPr sz="1733"/>
             </a:lvl7pPr>
             <a:lvl8pPr>
-              <a:defRPr sz="2667"/>
+              <a:defRPr sz="1733"/>
             </a:lvl8pPr>
             <a:lvl9pPr>
-              <a:defRPr sz="2667"/>
+              <a:defRPr sz="1733"/>
             </a:lvl9pPr>
           </a:lstStyle>
           <a:p>
@@ -2026,8 +2028,8 @@
         </p:nvSpPr>
         <p:spPr>
           <a:xfrm>
-            <a:off x="839788" y="3566160"/>
-            <a:ext cx="3932237" cy="6606753"/>
+            <a:off x="1679577" y="1783080"/>
+            <a:ext cx="7864474" cy="3303376"/>
           </a:xfrm>
         </p:spPr>
         <p:txBody>
@@ -2035,39 +2037,39 @@
           <a:lstStyle>
             <a:lvl1pPr marL="0" indent="0">
               <a:buNone/>
-              <a:defRPr sz="2133"/>
+              <a:defRPr sz="1387"/>
             </a:lvl1pPr>
-            <a:lvl2pPr marL="609585" indent="0">
-              <a:buNone/>
-              <a:defRPr sz="1867"/>
+            <a:lvl2pPr marL="396255" indent="0">
+              <a:buNone/>
+              <a:defRPr sz="1213"/>
             </a:lvl2pPr>
-            <a:lvl3pPr marL="1219170" indent="0">
-              <a:buNone/>
-              <a:defRPr sz="1600"/>
+            <a:lvl3pPr marL="792510" indent="0">
+              <a:buNone/>
+              <a:defRPr sz="1040"/>
             </a:lvl3pPr>
-            <a:lvl4pPr marL="1828754" indent="0">
-              <a:buNone/>
-              <a:defRPr sz="1333"/>
+            <a:lvl4pPr marL="1188766" indent="0">
+              <a:buNone/>
+              <a:defRPr sz="867"/>
             </a:lvl4pPr>
-            <a:lvl5pPr marL="2438339" indent="0">
-              <a:buNone/>
-              <a:defRPr sz="1333"/>
+            <a:lvl5pPr marL="1585021" indent="0">
+              <a:buNone/>
+              <a:defRPr sz="867"/>
             </a:lvl5pPr>
-            <a:lvl6pPr marL="3047924" indent="0">
-              <a:buNone/>
-              <a:defRPr sz="1333"/>
+            <a:lvl6pPr marL="1981276" indent="0">
+              <a:buNone/>
+              <a:defRPr sz="867"/>
             </a:lvl6pPr>
-            <a:lvl7pPr marL="3657509" indent="0">
-              <a:buNone/>
-              <a:defRPr sz="1333"/>
+            <a:lvl7pPr marL="2377531" indent="0">
+              <a:buNone/>
+              <a:defRPr sz="867"/>
             </a:lvl7pPr>
-            <a:lvl8pPr marL="4267093" indent="0">
-              <a:buNone/>
-              <a:defRPr sz="1333"/>
+            <a:lvl8pPr marL="2773787" indent="0">
+              <a:buNone/>
+              <a:defRPr sz="867"/>
             </a:lvl8pPr>
-            <a:lvl9pPr marL="4876678" indent="0">
-              <a:buNone/>
-              <a:defRPr sz="1333"/>
+            <a:lvl9pPr marL="3170042" indent="0">
+              <a:buNone/>
+              <a:defRPr sz="867"/>
             </a:lvl9pPr>
           </a:lstStyle>
           <a:p>
@@ -2096,7 +2098,7 @@
           <a:p>
             <a:fld id="{D99DA766-6FA3-426D-9404-79B9CD4BE179}" type="datetimeFigureOut">
               <a:rPr lang="en-US" smtClean="0"/>
-              <a:t>9/6/2016</a:t>
+              <a:t>9/7/2016</a:t>
             </a:fld>
             <a:endParaRPr lang="en-US"/>
           </a:p>
@@ -2147,7 +2149,7 @@
     </p:spTree>
     <p:extLst>
       <p:ext uri="{BB962C8B-B14F-4D97-AF65-F5344CB8AC3E}">
-        <p14:creationId xmlns:p14="http://schemas.microsoft.com/office/powerpoint/2010/main" val="1901395671"/>
+        <p14:creationId xmlns:p14="http://schemas.microsoft.com/office/powerpoint/2010/main" val="1126514561"/>
       </p:ext>
     </p:extLst>
   </p:cSld>
@@ -2186,15 +2188,15 @@
         </p:nvSpPr>
         <p:spPr>
           <a:xfrm>
-            <a:off x="839788" y="792480"/>
-            <a:ext cx="3932237" cy="2773680"/>
+            <a:off x="1679577" y="396240"/>
+            <a:ext cx="7864474" cy="1386840"/>
           </a:xfrm>
         </p:spPr>
         <p:txBody>
           <a:bodyPr anchor="b"/>
           <a:lstStyle>
             <a:lvl1pPr>
-              <a:defRPr sz="4267"/>
+              <a:defRPr sz="2773"/>
             </a:lvl1pPr>
           </a:lstStyle>
           <a:p>
@@ -2218,8 +2220,8 @@
         </p:nvSpPr>
         <p:spPr>
           <a:xfrm>
-            <a:off x="5183188" y="1711539"/>
-            <a:ext cx="6172200" cy="8447617"/>
+            <a:off x="10366376" y="855769"/>
+            <a:ext cx="12344400" cy="4223808"/>
           </a:xfrm>
         </p:spPr>
         <p:txBody>
@@ -2227,39 +2229,39 @@
           <a:lstStyle>
             <a:lvl1pPr marL="0" indent="0">
               <a:buNone/>
-              <a:defRPr sz="4267"/>
+              <a:defRPr sz="2773"/>
             </a:lvl1pPr>
-            <a:lvl2pPr marL="609585" indent="0">
-              <a:buNone/>
-              <a:defRPr sz="3733"/>
+            <a:lvl2pPr marL="396255" indent="0">
+              <a:buNone/>
+              <a:defRPr sz="2427"/>
             </a:lvl2pPr>
-            <a:lvl3pPr marL="1219170" indent="0">
-              <a:buNone/>
-              <a:defRPr sz="3200"/>
+            <a:lvl3pPr marL="792510" indent="0">
+              <a:buNone/>
+              <a:defRPr sz="2080"/>
             </a:lvl3pPr>
-            <a:lvl4pPr marL="1828754" indent="0">
-              <a:buNone/>
-              <a:defRPr sz="2667"/>
+            <a:lvl4pPr marL="1188766" indent="0">
+              <a:buNone/>
+              <a:defRPr sz="1733"/>
             </a:lvl4pPr>
-            <a:lvl5pPr marL="2438339" indent="0">
-              <a:buNone/>
-              <a:defRPr sz="2667"/>
+            <a:lvl5pPr marL="1585021" indent="0">
+              <a:buNone/>
+              <a:defRPr sz="1733"/>
             </a:lvl5pPr>
-            <a:lvl6pPr marL="3047924" indent="0">
-              <a:buNone/>
-              <a:defRPr sz="2667"/>
+            <a:lvl6pPr marL="1981276" indent="0">
+              <a:buNone/>
+              <a:defRPr sz="1733"/>
             </a:lvl6pPr>
-            <a:lvl7pPr marL="3657509" indent="0">
-              <a:buNone/>
-              <a:defRPr sz="2667"/>
+            <a:lvl7pPr marL="2377531" indent="0">
+              <a:buNone/>
+              <a:defRPr sz="1733"/>
             </a:lvl7pPr>
-            <a:lvl8pPr marL="4267093" indent="0">
-              <a:buNone/>
-              <a:defRPr sz="2667"/>
+            <a:lvl8pPr marL="2773787" indent="0">
+              <a:buNone/>
+              <a:defRPr sz="1733"/>
             </a:lvl8pPr>
-            <a:lvl9pPr marL="4876678" indent="0">
-              <a:buNone/>
-              <a:defRPr sz="2667"/>
+            <a:lvl9pPr marL="3170042" indent="0">
+              <a:buNone/>
+              <a:defRPr sz="1733"/>
             </a:lvl9pPr>
           </a:lstStyle>
           <a:p>
@@ -2283,8 +2285,8 @@
         </p:nvSpPr>
         <p:spPr>
           <a:xfrm>
-            <a:off x="839788" y="3566160"/>
-            <a:ext cx="3932237" cy="6606753"/>
+            <a:off x="1679577" y="1783080"/>
+            <a:ext cx="7864474" cy="3303376"/>
           </a:xfrm>
         </p:spPr>
         <p:txBody>
@@ -2292,39 +2294,39 @@
           <a:lstStyle>
             <a:lvl1pPr marL="0" indent="0">
               <a:buNone/>
-              <a:defRPr sz="2133"/>
+              <a:defRPr sz="1387"/>
             </a:lvl1pPr>
-            <a:lvl2pPr marL="609585" indent="0">
-              <a:buNone/>
-              <a:defRPr sz="1867"/>
+            <a:lvl2pPr marL="396255" indent="0">
+              <a:buNone/>
+              <a:defRPr sz="1213"/>
             </a:lvl2pPr>
-            <a:lvl3pPr marL="1219170" indent="0">
-              <a:buNone/>
-              <a:defRPr sz="1600"/>
+            <a:lvl3pPr marL="792510" indent="0">
+              <a:buNone/>
+              <a:defRPr sz="1040"/>
             </a:lvl3pPr>
-            <a:lvl4pPr marL="1828754" indent="0">
-              <a:buNone/>
-              <a:defRPr sz="1333"/>
+            <a:lvl4pPr marL="1188766" indent="0">
+              <a:buNone/>
+              <a:defRPr sz="867"/>
             </a:lvl4pPr>
-            <a:lvl5pPr marL="2438339" indent="0">
-              <a:buNone/>
-              <a:defRPr sz="1333"/>
+            <a:lvl5pPr marL="1585021" indent="0">
+              <a:buNone/>
+              <a:defRPr sz="867"/>
             </a:lvl5pPr>
-            <a:lvl6pPr marL="3047924" indent="0">
-              <a:buNone/>
-              <a:defRPr sz="1333"/>
+            <a:lvl6pPr marL="1981276" indent="0">
+              <a:buNone/>
+              <a:defRPr sz="867"/>
             </a:lvl6pPr>
-            <a:lvl7pPr marL="3657509" indent="0">
-              <a:buNone/>
-              <a:defRPr sz="1333"/>
+            <a:lvl7pPr marL="2377531" indent="0">
+              <a:buNone/>
+              <a:defRPr sz="867"/>
             </a:lvl7pPr>
-            <a:lvl8pPr marL="4267093" indent="0">
-              <a:buNone/>
-              <a:defRPr sz="1333"/>
+            <a:lvl8pPr marL="2773787" indent="0">
+              <a:buNone/>
+              <a:defRPr sz="867"/>
             </a:lvl8pPr>
-            <a:lvl9pPr marL="4876678" indent="0">
-              <a:buNone/>
-              <a:defRPr sz="1333"/>
+            <a:lvl9pPr marL="3170042" indent="0">
+              <a:buNone/>
+              <a:defRPr sz="867"/>
             </a:lvl9pPr>
           </a:lstStyle>
           <a:p>
@@ -2353,7 +2355,7 @@
           <a:p>
             <a:fld id="{D99DA766-6FA3-426D-9404-79B9CD4BE179}" type="datetimeFigureOut">
               <a:rPr lang="en-US" smtClean="0"/>
-              <a:t>9/6/2016</a:t>
+              <a:t>9/7/2016</a:t>
             </a:fld>
             <a:endParaRPr lang="en-US"/>
           </a:p>
@@ -2404,7 +2406,7 @@
     </p:spTree>
     <p:extLst>
       <p:ext uri="{BB962C8B-B14F-4D97-AF65-F5344CB8AC3E}">
-        <p14:creationId xmlns:p14="http://schemas.microsoft.com/office/powerpoint/2010/main" val="3428125889"/>
+        <p14:creationId xmlns:p14="http://schemas.microsoft.com/office/powerpoint/2010/main" val="444076825"/>
       </p:ext>
     </p:extLst>
   </p:cSld>
@@ -2448,8 +2450,8 @@
         </p:nvSpPr>
         <p:spPr>
           <a:xfrm>
-            <a:off x="838200" y="632886"/>
-            <a:ext cx="10515600" cy="2297643"/>
+            <a:off x="1676400" y="316442"/>
+            <a:ext cx="21031200" cy="1148821"/>
           </a:xfrm>
           <a:prstGeom prst="rect">
             <a:avLst/>
@@ -2481,8 +2483,8 @@
         </p:nvSpPr>
         <p:spPr>
           <a:xfrm>
-            <a:off x="838200" y="3164417"/>
-            <a:ext cx="10515600" cy="7542319"/>
+            <a:off x="1676400" y="1582208"/>
+            <a:ext cx="21031200" cy="3771160"/>
           </a:xfrm>
           <a:prstGeom prst="rect">
             <a:avLst/>
@@ -2543,8 +2545,8 @@
         </p:nvSpPr>
         <p:spPr>
           <a:xfrm>
-            <a:off x="838200" y="11017676"/>
-            <a:ext cx="2743200" cy="632883"/>
+            <a:off x="1676400" y="5508837"/>
+            <a:ext cx="5486400" cy="316442"/>
           </a:xfrm>
           <a:prstGeom prst="rect">
             <a:avLst/>
@@ -2554,7 +2556,7 @@
           <a:bodyPr vert="horz" lIns="91440" tIns="45720" rIns="91440" bIns="45720" rtlCol="0" anchor="ctr"/>
           <a:lstStyle>
             <a:lvl1pPr algn="l">
-              <a:defRPr sz="1600">
+              <a:defRPr sz="1040">
                 <a:solidFill>
                   <a:schemeClr val="tx1">
                     <a:tint val="75000"/>
@@ -2566,7 +2568,7 @@
           <a:p>
             <a:fld id="{D99DA766-6FA3-426D-9404-79B9CD4BE179}" type="datetimeFigureOut">
               <a:rPr lang="en-US" smtClean="0"/>
-              <a:t>9/6/2016</a:t>
+              <a:t>9/7/2016</a:t>
             </a:fld>
             <a:endParaRPr lang="en-US"/>
           </a:p>
@@ -2584,8 +2586,8 @@
         </p:nvSpPr>
         <p:spPr>
           <a:xfrm>
-            <a:off x="4038600" y="11017676"/>
-            <a:ext cx="4114800" cy="632883"/>
+            <a:off x="8077200" y="5508837"/>
+            <a:ext cx="8229600" cy="316442"/>
           </a:xfrm>
           <a:prstGeom prst="rect">
             <a:avLst/>
@@ -2595,7 +2597,7 @@
           <a:bodyPr vert="horz" lIns="91440" tIns="45720" rIns="91440" bIns="45720" rtlCol="0" anchor="ctr"/>
           <a:lstStyle>
             <a:lvl1pPr algn="ctr">
-              <a:defRPr sz="1600">
+              <a:defRPr sz="1040">
                 <a:solidFill>
                   <a:schemeClr val="tx1">
                     <a:tint val="75000"/>
@@ -2621,8 +2623,8 @@
         </p:nvSpPr>
         <p:spPr>
           <a:xfrm>
-            <a:off x="8610600" y="11017676"/>
-            <a:ext cx="2743200" cy="632883"/>
+            <a:off x="17221200" y="5508837"/>
+            <a:ext cx="5486400" cy="316442"/>
           </a:xfrm>
           <a:prstGeom prst="rect">
             <a:avLst/>
@@ -2632,7 +2634,7 @@
           <a:bodyPr vert="horz" lIns="91440" tIns="45720" rIns="91440" bIns="45720" rtlCol="0" anchor="ctr"/>
           <a:lstStyle>
             <a:lvl1pPr algn="r">
-              <a:defRPr sz="1600">
+              <a:defRPr sz="1040">
                 <a:solidFill>
                   <a:schemeClr val="tx1">
                     <a:tint val="75000"/>
@@ -2653,27 +2655,27 @@
     </p:spTree>
     <p:extLst>
       <p:ext uri="{BB962C8B-B14F-4D97-AF65-F5344CB8AC3E}">
-        <p14:creationId xmlns:p14="http://schemas.microsoft.com/office/powerpoint/2010/main" val="2607153170"/>
+        <p14:creationId xmlns:p14="http://schemas.microsoft.com/office/powerpoint/2010/main" val="613235219"/>
       </p:ext>
     </p:extLst>
   </p:cSld>
   <p:clrMap bg1="lt1" tx1="dk1" bg2="lt2" tx2="dk2" accent1="accent1" accent2="accent2" accent3="accent3" accent4="accent4" accent5="accent5" accent6="accent6" hlink="hlink" folHlink="folHlink"/>
   <p:sldLayoutIdLst>
-    <p:sldLayoutId id="2147483685" r:id="rId1"/>
-    <p:sldLayoutId id="2147483686" r:id="rId2"/>
-    <p:sldLayoutId id="2147483687" r:id="rId3"/>
-    <p:sldLayoutId id="2147483688" r:id="rId4"/>
-    <p:sldLayoutId id="2147483689" r:id="rId5"/>
-    <p:sldLayoutId id="2147483690" r:id="rId6"/>
-    <p:sldLayoutId id="2147483691" r:id="rId7"/>
-    <p:sldLayoutId id="2147483692" r:id="rId8"/>
-    <p:sldLayoutId id="2147483693" r:id="rId9"/>
-    <p:sldLayoutId id="2147483694" r:id="rId10"/>
-    <p:sldLayoutId id="2147483695" r:id="rId11"/>
+    <p:sldLayoutId id="2147483697" r:id="rId1"/>
+    <p:sldLayoutId id="2147483698" r:id="rId2"/>
+    <p:sldLayoutId id="2147483699" r:id="rId3"/>
+    <p:sldLayoutId id="2147483700" r:id="rId4"/>
+    <p:sldLayoutId id="2147483701" r:id="rId5"/>
+    <p:sldLayoutId id="2147483702" r:id="rId6"/>
+    <p:sldLayoutId id="2147483703" r:id="rId7"/>
+    <p:sldLayoutId id="2147483704" r:id="rId8"/>
+    <p:sldLayoutId id="2147483705" r:id="rId9"/>
+    <p:sldLayoutId id="2147483706" r:id="rId10"/>
+    <p:sldLayoutId id="2147483707" r:id="rId11"/>
   </p:sldLayoutIdLst>
   <p:txStyles>
     <p:titleStyle>
-      <a:lvl1pPr algn="l" defTabSz="1219170" rtl="0" eaLnBrk="1" latinLnBrk="0" hangingPunct="1">
+      <a:lvl1pPr algn="l" defTabSz="792510" rtl="0" eaLnBrk="1" latinLnBrk="0" hangingPunct="1">
         <a:lnSpc>
           <a:spcPct val="90000"/>
         </a:lnSpc>
@@ -2681,7 +2683,7 @@
           <a:spcPct val="0"/>
         </a:spcBef>
         <a:buNone/>
-        <a:defRPr sz="5867" kern="1200">
+        <a:defRPr sz="3813" kern="1200">
           <a:solidFill>
             <a:schemeClr val="tx1"/>
           </a:solidFill>
@@ -2692,16 +2694,16 @@
       </a:lvl1pPr>
     </p:titleStyle>
     <p:bodyStyle>
-      <a:lvl1pPr marL="304792" indent="-304792" algn="l" defTabSz="1219170" rtl="0" eaLnBrk="1" latinLnBrk="0" hangingPunct="1">
+      <a:lvl1pPr marL="198128" indent="-198128" algn="l" defTabSz="792510" rtl="0" eaLnBrk="1" latinLnBrk="0" hangingPunct="1">
         <a:lnSpc>
           <a:spcPct val="90000"/>
         </a:lnSpc>
         <a:spcBef>
-          <a:spcPts val="1333"/>
+          <a:spcPts val="867"/>
         </a:spcBef>
         <a:buFont typeface="Arial" panose="020B0604020202020204" pitchFamily="34" charset="0"/>
         <a:buChar char="•"/>
-        <a:defRPr sz="3733" kern="1200">
+        <a:defRPr sz="2427" kern="1200">
           <a:solidFill>
             <a:schemeClr val="tx1"/>
           </a:solidFill>
@@ -2710,16 +2712,16 @@
           <a:cs typeface="+mn-cs"/>
         </a:defRPr>
       </a:lvl1pPr>
-      <a:lvl2pPr marL="914377" indent="-304792" algn="l" defTabSz="1219170" rtl="0" eaLnBrk="1" latinLnBrk="0" hangingPunct="1">
+      <a:lvl2pPr marL="594383" indent="-198128" algn="l" defTabSz="792510" rtl="0" eaLnBrk="1" latinLnBrk="0" hangingPunct="1">
         <a:lnSpc>
           <a:spcPct val="90000"/>
         </a:lnSpc>
         <a:spcBef>
-          <a:spcPts val="667"/>
+          <a:spcPts val="433"/>
         </a:spcBef>
         <a:buFont typeface="Arial" panose="020B0604020202020204" pitchFamily="34" charset="0"/>
         <a:buChar char="•"/>
-        <a:defRPr sz="3200" kern="1200">
+        <a:defRPr sz="2080" kern="1200">
           <a:solidFill>
             <a:schemeClr val="tx1"/>
           </a:solidFill>
@@ -2728,16 +2730,16 @@
           <a:cs typeface="+mn-cs"/>
         </a:defRPr>
       </a:lvl2pPr>
-      <a:lvl3pPr marL="1523962" indent="-304792" algn="l" defTabSz="1219170" rtl="0" eaLnBrk="1" latinLnBrk="0" hangingPunct="1">
+      <a:lvl3pPr marL="990638" indent="-198128" algn="l" defTabSz="792510" rtl="0" eaLnBrk="1" latinLnBrk="0" hangingPunct="1">
         <a:lnSpc>
           <a:spcPct val="90000"/>
         </a:lnSpc>
         <a:spcBef>
-          <a:spcPts val="667"/>
+          <a:spcPts val="433"/>
         </a:spcBef>
         <a:buFont typeface="Arial" panose="020B0604020202020204" pitchFamily="34" charset="0"/>
         <a:buChar char="•"/>
-        <a:defRPr sz="2667" kern="1200">
+        <a:defRPr sz="1733" kern="1200">
           <a:solidFill>
             <a:schemeClr val="tx1"/>
           </a:solidFill>
@@ -2746,16 +2748,16 @@
           <a:cs typeface="+mn-cs"/>
         </a:defRPr>
       </a:lvl3pPr>
-      <a:lvl4pPr marL="2133547" indent="-304792" algn="l" defTabSz="1219170" rtl="0" eaLnBrk="1" latinLnBrk="0" hangingPunct="1">
+      <a:lvl4pPr marL="1386893" indent="-198128" algn="l" defTabSz="792510" rtl="0" eaLnBrk="1" latinLnBrk="0" hangingPunct="1">
         <a:lnSpc>
           <a:spcPct val="90000"/>
         </a:lnSpc>
         <a:spcBef>
-          <a:spcPts val="667"/>
+          <a:spcPts val="433"/>
         </a:spcBef>
         <a:buFont typeface="Arial" panose="020B0604020202020204" pitchFamily="34" charset="0"/>
         <a:buChar char="•"/>
-        <a:defRPr sz="2400" kern="1200">
+        <a:defRPr sz="1560" kern="1200">
           <a:solidFill>
             <a:schemeClr val="tx1"/>
           </a:solidFill>
@@ -2764,16 +2766,16 @@
           <a:cs typeface="+mn-cs"/>
         </a:defRPr>
       </a:lvl4pPr>
-      <a:lvl5pPr marL="2743131" indent="-304792" algn="l" defTabSz="1219170" rtl="0" eaLnBrk="1" latinLnBrk="0" hangingPunct="1">
+      <a:lvl5pPr marL="1783149" indent="-198128" algn="l" defTabSz="792510" rtl="0" eaLnBrk="1" latinLnBrk="0" hangingPunct="1">
         <a:lnSpc>
           <a:spcPct val="90000"/>
         </a:lnSpc>
         <a:spcBef>
-          <a:spcPts val="667"/>
+          <a:spcPts val="433"/>
         </a:spcBef>
         <a:buFont typeface="Arial" panose="020B0604020202020204" pitchFamily="34" charset="0"/>
         <a:buChar char="•"/>
-        <a:defRPr sz="2400" kern="1200">
+        <a:defRPr sz="1560" kern="1200">
           <a:solidFill>
             <a:schemeClr val="tx1"/>
           </a:solidFill>
@@ -2782,16 +2784,16 @@
           <a:cs typeface="+mn-cs"/>
         </a:defRPr>
       </a:lvl5pPr>
-      <a:lvl6pPr marL="3352716" indent="-304792" algn="l" defTabSz="1219170" rtl="0" eaLnBrk="1" latinLnBrk="0" hangingPunct="1">
+      <a:lvl6pPr marL="2179404" indent="-198128" algn="l" defTabSz="792510" rtl="0" eaLnBrk="1" latinLnBrk="0" hangingPunct="1">
         <a:lnSpc>
           <a:spcPct val="90000"/>
         </a:lnSpc>
         <a:spcBef>
-          <a:spcPts val="667"/>
+          <a:spcPts val="433"/>
         </a:spcBef>
         <a:buFont typeface="Arial" panose="020B0604020202020204" pitchFamily="34" charset="0"/>
         <a:buChar char="•"/>
-        <a:defRPr sz="2400" kern="1200">
+        <a:defRPr sz="1560" kern="1200">
           <a:solidFill>
             <a:schemeClr val="tx1"/>
           </a:solidFill>
@@ -2800,16 +2802,16 @@
           <a:cs typeface="+mn-cs"/>
         </a:defRPr>
       </a:lvl6pPr>
-      <a:lvl7pPr marL="3962301" indent="-304792" algn="l" defTabSz="1219170" rtl="0" eaLnBrk="1" latinLnBrk="0" hangingPunct="1">
+      <a:lvl7pPr marL="2575659" indent="-198128" algn="l" defTabSz="792510" rtl="0" eaLnBrk="1" latinLnBrk="0" hangingPunct="1">
         <a:lnSpc>
           <a:spcPct val="90000"/>
         </a:lnSpc>
         <a:spcBef>
-          <a:spcPts val="667"/>
+          <a:spcPts val="433"/>
         </a:spcBef>
         <a:buFont typeface="Arial" panose="020B0604020202020204" pitchFamily="34" charset="0"/>
         <a:buChar char="•"/>
-        <a:defRPr sz="2400" kern="1200">
+        <a:defRPr sz="1560" kern="1200">
           <a:solidFill>
             <a:schemeClr val="tx1"/>
           </a:solidFill>
@@ -2818,16 +2820,16 @@
           <a:cs typeface="+mn-cs"/>
         </a:defRPr>
       </a:lvl7pPr>
-      <a:lvl8pPr marL="4571886" indent="-304792" algn="l" defTabSz="1219170" rtl="0" eaLnBrk="1" latinLnBrk="0" hangingPunct="1">
+      <a:lvl8pPr marL="2971914" indent="-198128" algn="l" defTabSz="792510" rtl="0" eaLnBrk="1" latinLnBrk="0" hangingPunct="1">
         <a:lnSpc>
           <a:spcPct val="90000"/>
         </a:lnSpc>
         <a:spcBef>
-          <a:spcPts val="667"/>
+          <a:spcPts val="433"/>
         </a:spcBef>
         <a:buFont typeface="Arial" panose="020B0604020202020204" pitchFamily="34" charset="0"/>
         <a:buChar char="•"/>
-        <a:defRPr sz="2400" kern="1200">
+        <a:defRPr sz="1560" kern="1200">
           <a:solidFill>
             <a:schemeClr val="tx1"/>
           </a:solidFill>
@@ -2836,16 +2838,16 @@
           <a:cs typeface="+mn-cs"/>
         </a:defRPr>
       </a:lvl8pPr>
-      <a:lvl9pPr marL="5181470" indent="-304792" algn="l" defTabSz="1219170" rtl="0" eaLnBrk="1" latinLnBrk="0" hangingPunct="1">
+      <a:lvl9pPr marL="3368170" indent="-198128" algn="l" defTabSz="792510" rtl="0" eaLnBrk="1" latinLnBrk="0" hangingPunct="1">
         <a:lnSpc>
           <a:spcPct val="90000"/>
         </a:lnSpc>
         <a:spcBef>
-          <a:spcPts val="667"/>
+          <a:spcPts val="433"/>
         </a:spcBef>
         <a:buFont typeface="Arial" panose="020B0604020202020204" pitchFamily="34" charset="0"/>
         <a:buChar char="•"/>
-        <a:defRPr sz="2400" kern="1200">
+        <a:defRPr sz="1560" kern="1200">
           <a:solidFill>
             <a:schemeClr val="tx1"/>
           </a:solidFill>
@@ -2859,8 +2861,8 @@
       <a:defPPr>
         <a:defRPr lang="en-US"/>
       </a:defPPr>
-      <a:lvl1pPr marL="0" algn="l" defTabSz="1219170" rtl="0" eaLnBrk="1" latinLnBrk="0" hangingPunct="1">
-        <a:defRPr sz="2400" kern="1200">
+      <a:lvl1pPr marL="0" algn="l" defTabSz="792510" rtl="0" eaLnBrk="1" latinLnBrk="0" hangingPunct="1">
+        <a:defRPr sz="1560" kern="1200">
           <a:solidFill>
             <a:schemeClr val="tx1"/>
           </a:solidFill>
@@ -2869,8 +2871,8 @@
           <a:cs typeface="+mn-cs"/>
         </a:defRPr>
       </a:lvl1pPr>
-      <a:lvl2pPr marL="609585" algn="l" defTabSz="1219170" rtl="0" eaLnBrk="1" latinLnBrk="0" hangingPunct="1">
-        <a:defRPr sz="2400" kern="1200">
+      <a:lvl2pPr marL="396255" algn="l" defTabSz="792510" rtl="0" eaLnBrk="1" latinLnBrk="0" hangingPunct="1">
+        <a:defRPr sz="1560" kern="1200">
           <a:solidFill>
             <a:schemeClr val="tx1"/>
           </a:solidFill>
@@ -2879,8 +2881,8 @@
           <a:cs typeface="+mn-cs"/>
         </a:defRPr>
       </a:lvl2pPr>
-      <a:lvl3pPr marL="1219170" algn="l" defTabSz="1219170" rtl="0" eaLnBrk="1" latinLnBrk="0" hangingPunct="1">
-        <a:defRPr sz="2400" kern="1200">
+      <a:lvl3pPr marL="792510" algn="l" defTabSz="792510" rtl="0" eaLnBrk="1" latinLnBrk="0" hangingPunct="1">
+        <a:defRPr sz="1560" kern="1200">
           <a:solidFill>
             <a:schemeClr val="tx1"/>
           </a:solidFill>
@@ -2889,8 +2891,8 @@
           <a:cs typeface="+mn-cs"/>
         </a:defRPr>
       </a:lvl3pPr>
-      <a:lvl4pPr marL="1828754" algn="l" defTabSz="1219170" rtl="0" eaLnBrk="1" latinLnBrk="0" hangingPunct="1">
-        <a:defRPr sz="2400" kern="1200">
+      <a:lvl4pPr marL="1188766" algn="l" defTabSz="792510" rtl="0" eaLnBrk="1" latinLnBrk="0" hangingPunct="1">
+        <a:defRPr sz="1560" kern="1200">
           <a:solidFill>
             <a:schemeClr val="tx1"/>
           </a:solidFill>
@@ -2899,8 +2901,8 @@
           <a:cs typeface="+mn-cs"/>
         </a:defRPr>
       </a:lvl4pPr>
-      <a:lvl5pPr marL="2438339" algn="l" defTabSz="1219170" rtl="0" eaLnBrk="1" latinLnBrk="0" hangingPunct="1">
-        <a:defRPr sz="2400" kern="1200">
+      <a:lvl5pPr marL="1585021" algn="l" defTabSz="792510" rtl="0" eaLnBrk="1" latinLnBrk="0" hangingPunct="1">
+        <a:defRPr sz="1560" kern="1200">
           <a:solidFill>
             <a:schemeClr val="tx1"/>
           </a:solidFill>
@@ -2909,8 +2911,8 @@
           <a:cs typeface="+mn-cs"/>
         </a:defRPr>
       </a:lvl5pPr>
-      <a:lvl6pPr marL="3047924" algn="l" defTabSz="1219170" rtl="0" eaLnBrk="1" latinLnBrk="0" hangingPunct="1">
-        <a:defRPr sz="2400" kern="1200">
+      <a:lvl6pPr marL="1981276" algn="l" defTabSz="792510" rtl="0" eaLnBrk="1" latinLnBrk="0" hangingPunct="1">
+        <a:defRPr sz="1560" kern="1200">
           <a:solidFill>
             <a:schemeClr val="tx1"/>
           </a:solidFill>
@@ -2919,8 +2921,8 @@
           <a:cs typeface="+mn-cs"/>
         </a:defRPr>
       </a:lvl6pPr>
-      <a:lvl7pPr marL="3657509" algn="l" defTabSz="1219170" rtl="0" eaLnBrk="1" latinLnBrk="0" hangingPunct="1">
-        <a:defRPr sz="2400" kern="1200">
+      <a:lvl7pPr marL="2377531" algn="l" defTabSz="792510" rtl="0" eaLnBrk="1" latinLnBrk="0" hangingPunct="1">
+        <a:defRPr sz="1560" kern="1200">
           <a:solidFill>
             <a:schemeClr val="tx1"/>
           </a:solidFill>
@@ -2929,8 +2931,8 @@
           <a:cs typeface="+mn-cs"/>
         </a:defRPr>
       </a:lvl7pPr>
-      <a:lvl8pPr marL="4267093" algn="l" defTabSz="1219170" rtl="0" eaLnBrk="1" latinLnBrk="0" hangingPunct="1">
-        <a:defRPr sz="2400" kern="1200">
+      <a:lvl8pPr marL="2773787" algn="l" defTabSz="792510" rtl="0" eaLnBrk="1" latinLnBrk="0" hangingPunct="1">
+        <a:defRPr sz="1560" kern="1200">
           <a:solidFill>
             <a:schemeClr val="tx1"/>
           </a:solidFill>
@@ -2939,8 +2941,8 @@
           <a:cs typeface="+mn-cs"/>
         </a:defRPr>
       </a:lvl8pPr>
-      <a:lvl9pPr marL="4876678" algn="l" defTabSz="1219170" rtl="0" eaLnBrk="1" latinLnBrk="0" hangingPunct="1">
-        <a:defRPr sz="2400" kern="1200">
+      <a:lvl9pPr marL="3170042" algn="l" defTabSz="792510" rtl="0" eaLnBrk="1" latinLnBrk="0" hangingPunct="1">
+        <a:defRPr sz="1560" kern="1200">
           <a:solidFill>
             <a:schemeClr val="tx1"/>
           </a:solidFill>
@@ -2973,7 +2975,7 @@
       </p:grpSpPr>
       <p:pic>
         <p:nvPicPr>
-          <p:cNvPr id="3" name="Picture 2"/>
+          <p:cNvPr id="5" name="Picture 4"/>
           <p:cNvPicPr>
             <a:picLocks noChangeAspect="1"/>
           </p:cNvPicPr>
@@ -2992,7 +2994,7 @@
         </p:blipFill>
         <p:spPr>
           <a:xfrm>
-            <a:off x="12357" y="0"/>
+            <a:off x="50017" y="0"/>
             <a:ext cx="12154659" cy="5943600"/>
           </a:xfrm>
           <a:prstGeom prst="rect">
@@ -3002,7 +3004,7 @@
       </p:pic>
       <p:pic>
         <p:nvPicPr>
-          <p:cNvPr id="4" name="Picture 3"/>
+          <p:cNvPr id="6" name="Picture 5"/>
           <p:cNvPicPr>
             <a:picLocks noChangeAspect="1"/>
           </p:cNvPicPr>
@@ -3021,7 +3023,7 @@
         </p:blipFill>
         <p:spPr>
           <a:xfrm>
-            <a:off x="42550" y="5917857"/>
+            <a:off x="12304571" y="43344"/>
             <a:ext cx="12079429" cy="5900256"/>
           </a:xfrm>
           <a:prstGeom prst="rect">
